--- a/docs/更新演示3-20.pptx
+++ b/docs/更新演示3-20.pptx
@@ -134,13 +134,13 @@
         </p14:section>
         <p14:section name="无标题节" id="{772b9e04-05cc-4f22-a8db-f54139117c64}">
           <p14:sldIdLst>
-            <p14:sldId id="279"/>
+            <p14:sldId id="269"/>
+            <p14:sldId id="278"/>
+            <p14:sldId id="274"/>
             <p14:sldId id="270"/>
             <p14:sldId id="271"/>
             <p14:sldId id="275"/>
-            <p14:sldId id="274"/>
-            <p14:sldId id="278"/>
-            <p14:sldId id="269"/>
+            <p14:sldId id="279"/>
           </p14:sldIdLst>
         </p14:section>
       </p14:sectionLst>
@@ -25303,7 +25303,7 @@
               <a:buSzTx/>
             </a:pPr>
             <a:r>
-              <a:rPr lang="en-US" altLang="zh-CN" sz="2655">
+              <a:rPr lang="en-US" altLang="zh-CN" sz="2655" b="1">
                 <a:solidFill>
                   <a:srgbClr val="FFFFFF"/>
                 </a:solidFill>
@@ -25327,13 +25327,13 @@
           <a:p>
             <a:pPr marL="457200" lvl="5" algn="l">
               <a:lnSpc>
-                <a:spcPct val="100000"/>
+                <a:spcPct val="120000"/>
               </a:lnSpc>
               <a:buClrTx/>
               <a:buSzTx/>
             </a:pPr>
             <a:r>
-              <a:rPr sz="2650" b="1">
+              <a:rPr sz="2650">
                 <a:solidFill>
                   <a:srgbClr val="FFFFFF"/>
                 </a:solidFill>
@@ -25342,10 +25342,22 @@
                 <a:cs typeface="微软雅黑" panose="020B0503020204020204" charset="-122"/>
                 <a:sym typeface="+mn-ea"/>
               </a:rPr>
-              <a:t>业务咨询 - </a:t>
+              <a:t>业务咨询</a:t>
             </a:r>
             <a:r>
-              <a:rPr sz="2650">
+              <a:rPr sz="2650" b="1">
+                <a:solidFill>
+                  <a:srgbClr val="FFFFFF"/>
+                </a:solidFill>
+                <a:latin typeface="微软雅黑" panose="020B0503020204020204" charset="-122"/>
+                <a:ea typeface="微软雅黑" panose="020B0503020204020204" charset="-122"/>
+                <a:cs typeface="微软雅黑" panose="020B0503020204020204" charset="-122"/>
+                <a:sym typeface="+mn-ea"/>
+              </a:rPr>
+              <a:t> - </a:t>
+            </a:r>
+            <a:r>
+              <a:rPr sz="1800">
                 <a:solidFill>
                   <a:srgbClr val="FFFFFF"/>
                 </a:solidFill>
@@ -25357,7 +25369,7 @@
               <a:t>窗体数据交互（修改表单内部数据）、不显示文本标签、单独开启单个标签</a:t>
             </a:r>
             <a:r>
-              <a:rPr lang="zh-CN" sz="2650">
+              <a:rPr lang="zh-CN" sz="1800">
                 <a:solidFill>
                   <a:srgbClr val="FFFFFF"/>
                 </a:solidFill>
@@ -25368,7 +25380,7 @@
               </a:rPr>
               <a:t>、从配置到应用</a:t>
             </a:r>
-            <a:endParaRPr sz="2650" b="1">
+            <a:endParaRPr lang="zh-CN" sz="1800">
               <a:solidFill>
                 <a:srgbClr val="FFFFFF"/>
               </a:solidFill>
@@ -25379,15 +25391,15 @@
             </a:endParaRPr>
           </a:p>
           <a:p>
-            <a:pPr lvl="1" algn="l">
+            <a:pPr marL="457200" lvl="5" algn="l">
               <a:lnSpc>
-                <a:spcPct val="100000"/>
+                <a:spcPct val="120000"/>
               </a:lnSpc>
               <a:buClrTx/>
               <a:buSzTx/>
             </a:pPr>
             <a:r>
-              <a:rPr sz="2650" b="1">
+              <a:rPr sz="2650">
                 <a:solidFill>
                   <a:srgbClr val="FFFFFF"/>
                 </a:solidFill>
@@ -25396,10 +25408,22 @@
                 <a:cs typeface="微软雅黑" panose="020B0503020204020204" charset="-122"/>
                 <a:sym typeface="+mn-ea"/>
               </a:rPr>
-              <a:t>窃水举报 - </a:t>
+              <a:t>窃水举报</a:t>
             </a:r>
             <a:r>
-              <a:rPr sz="1795">
+              <a:rPr sz="3090" b="1">
+                <a:solidFill>
+                  <a:srgbClr val="FFFFFF"/>
+                </a:solidFill>
+                <a:latin typeface="微软雅黑" panose="020B0503020204020204" charset="-122"/>
+                <a:ea typeface="微软雅黑" panose="020B0503020204020204" charset="-122"/>
+                <a:cs typeface="微软雅黑" panose="020B0503020204020204" charset="-122"/>
+                <a:sym typeface="+mn-ea"/>
+              </a:rPr>
+              <a:t> - </a:t>
+            </a:r>
+            <a:r>
+              <a:rPr sz="1800">
                 <a:solidFill>
                   <a:srgbClr val="FFFFFF"/>
                 </a:solidFill>
@@ -25411,7 +25435,7 @@
               <a:t>卡槽（获取坐标信息）、窗体数据交互（修改表单内部数据）、不显示文本标签、单独开启单个标签</a:t>
             </a:r>
             <a:r>
-              <a:rPr lang="zh-CN" sz="1795">
+              <a:rPr lang="zh-CN" sz="1800">
                 <a:solidFill>
                   <a:srgbClr val="FFFFFF"/>
                 </a:solidFill>
@@ -25422,7 +25446,7 @@
               </a:rPr>
               <a:t>、从配置到应用</a:t>
             </a:r>
-            <a:endParaRPr lang="zh-CN" sz="1795">
+            <a:endParaRPr lang="zh-CN" sz="2090">
               <a:solidFill>
                 <a:srgbClr val="FFFFFF"/>
               </a:solidFill>
